--- a/발표자료/1-1_Introducing_MachineLearning.pptx
+++ b/발표자료/1-1_Introducing_MachineLearning.pptx
@@ -269,7 +269,7 @@
           <a:p>
             <a:fld id="{D43C9942-2545-4F48-A7A7-1164F218558C}" type="datetimeFigureOut">
               <a:rPr lang="ko-KR" altLang="en-US" smtClean="0"/>
-              <a:t>2022-04-09</a:t>
+              <a:t>2022-04-12</a:t>
             </a:fld>
             <a:endParaRPr lang="ko-KR" altLang="en-US"/>
           </a:p>
@@ -467,7 +467,7 @@
           <a:p>
             <a:fld id="{D43C9942-2545-4F48-A7A7-1164F218558C}" type="datetimeFigureOut">
               <a:rPr lang="ko-KR" altLang="en-US" smtClean="0"/>
-              <a:t>2022-04-09</a:t>
+              <a:t>2022-04-12</a:t>
             </a:fld>
             <a:endParaRPr lang="ko-KR" altLang="en-US"/>
           </a:p>
@@ -675,7 +675,7 @@
           <a:p>
             <a:fld id="{D43C9942-2545-4F48-A7A7-1164F218558C}" type="datetimeFigureOut">
               <a:rPr lang="ko-KR" altLang="en-US" smtClean="0"/>
-              <a:t>2022-04-09</a:t>
+              <a:t>2022-04-12</a:t>
             </a:fld>
             <a:endParaRPr lang="ko-KR" altLang="en-US"/>
           </a:p>
@@ -873,7 +873,7 @@
           <a:p>
             <a:fld id="{D43C9942-2545-4F48-A7A7-1164F218558C}" type="datetimeFigureOut">
               <a:rPr lang="ko-KR" altLang="en-US" smtClean="0"/>
-              <a:t>2022-04-09</a:t>
+              <a:t>2022-04-12</a:t>
             </a:fld>
             <a:endParaRPr lang="ko-KR" altLang="en-US"/>
           </a:p>
@@ -1148,7 +1148,7 @@
           <a:p>
             <a:fld id="{D43C9942-2545-4F48-A7A7-1164F218558C}" type="datetimeFigureOut">
               <a:rPr lang="ko-KR" altLang="en-US" smtClean="0"/>
-              <a:t>2022-04-09</a:t>
+              <a:t>2022-04-12</a:t>
             </a:fld>
             <a:endParaRPr lang="ko-KR" altLang="en-US"/>
           </a:p>
@@ -1413,7 +1413,7 @@
           <a:p>
             <a:fld id="{D43C9942-2545-4F48-A7A7-1164F218558C}" type="datetimeFigureOut">
               <a:rPr lang="ko-KR" altLang="en-US" smtClean="0"/>
-              <a:t>2022-04-09</a:t>
+              <a:t>2022-04-12</a:t>
             </a:fld>
             <a:endParaRPr lang="ko-KR" altLang="en-US"/>
           </a:p>
@@ -1825,7 +1825,7 @@
           <a:p>
             <a:fld id="{D43C9942-2545-4F48-A7A7-1164F218558C}" type="datetimeFigureOut">
               <a:rPr lang="ko-KR" altLang="en-US" smtClean="0"/>
-              <a:t>2022-04-09</a:t>
+              <a:t>2022-04-12</a:t>
             </a:fld>
             <a:endParaRPr lang="ko-KR" altLang="en-US"/>
           </a:p>
@@ -1966,7 +1966,7 @@
           <a:p>
             <a:fld id="{D43C9942-2545-4F48-A7A7-1164F218558C}" type="datetimeFigureOut">
               <a:rPr lang="ko-KR" altLang="en-US" smtClean="0"/>
-              <a:t>2022-04-09</a:t>
+              <a:t>2022-04-12</a:t>
             </a:fld>
             <a:endParaRPr lang="ko-KR" altLang="en-US"/>
           </a:p>
@@ -2079,7 +2079,7 @@
           <a:p>
             <a:fld id="{D43C9942-2545-4F48-A7A7-1164F218558C}" type="datetimeFigureOut">
               <a:rPr lang="ko-KR" altLang="en-US" smtClean="0"/>
-              <a:t>2022-04-09</a:t>
+              <a:t>2022-04-12</a:t>
             </a:fld>
             <a:endParaRPr lang="ko-KR" altLang="en-US"/>
           </a:p>
@@ -2390,7 +2390,7 @@
           <a:p>
             <a:fld id="{D43C9942-2545-4F48-A7A7-1164F218558C}" type="datetimeFigureOut">
               <a:rPr lang="ko-KR" altLang="en-US" smtClean="0"/>
-              <a:t>2022-04-09</a:t>
+              <a:t>2022-04-12</a:t>
             </a:fld>
             <a:endParaRPr lang="ko-KR" altLang="en-US"/>
           </a:p>
@@ -2678,7 +2678,7 @@
           <a:p>
             <a:fld id="{D43C9942-2545-4F48-A7A7-1164F218558C}" type="datetimeFigureOut">
               <a:rPr lang="ko-KR" altLang="en-US" smtClean="0"/>
-              <a:t>2022-04-09</a:t>
+              <a:t>2022-04-12</a:t>
             </a:fld>
             <a:endParaRPr lang="ko-KR" altLang="en-US"/>
           </a:p>
@@ -2919,7 +2919,7 @@
           <a:p>
             <a:fld id="{D43C9942-2545-4F48-A7A7-1164F218558C}" type="datetimeFigureOut">
               <a:rPr lang="ko-KR" altLang="en-US" smtClean="0"/>
-              <a:t>2022-04-09</a:t>
+              <a:t>2022-04-12</a:t>
             </a:fld>
             <a:endParaRPr lang="ko-KR" altLang="en-US"/>
           </a:p>
@@ -3437,6 +3437,52 @@
           </a:prstGeom>
         </p:spPr>
       </p:pic>
+      <p:sp>
+        <p:nvSpPr>
+          <p:cNvPr id="7" name="TextBox 6">
+            <a:extLst>
+              <a:ext uri="{FF2B5EF4-FFF2-40B4-BE49-F238E27FC236}">
+                <a16:creationId xmlns:a16="http://schemas.microsoft.com/office/drawing/2014/main" id="{0F77A62B-157B-45B3-9BC7-8A1EAAA0C59E}"/>
+              </a:ext>
+            </a:extLst>
+          </p:cNvPr>
+          <p:cNvSpPr txBox="1"/>
+          <p:nvPr/>
+        </p:nvSpPr>
+        <p:spPr>
+          <a:xfrm>
+            <a:off x="0" y="6211669"/>
+            <a:ext cx="2805576" cy="646331"/>
+          </a:xfrm>
+          <a:prstGeom prst="rect">
+            <a:avLst/>
+          </a:prstGeom>
+          <a:noFill/>
+        </p:spPr>
+        <p:txBody>
+          <a:bodyPr wrap="none" rtlCol="0">
+            <a:spAutoFit/>
+          </a:bodyPr>
+          <a:lstStyle/>
+          <a:p>
+            <a:r>
+              <a:rPr lang="ko-KR" altLang="en-US" dirty="0"/>
+              <a:t>경희대학교 컴퓨터공학과</a:t>
+            </a:r>
+            <a:endParaRPr lang="en-US" altLang="ko-KR" dirty="0"/>
+          </a:p>
+          <a:p>
+            <a:r>
+              <a:rPr lang="en-US" altLang="ko-KR" dirty="0"/>
+              <a:t>2019102191 </a:t>
+            </a:r>
+            <a:r>
+              <a:rPr lang="ko-KR" altLang="en-US" dirty="0"/>
+              <a:t>신주영</a:t>
+            </a:r>
+          </a:p>
+        </p:txBody>
+      </p:sp>
     </p:spTree>
     <p:extLst>
       <p:ext uri="{BB962C8B-B14F-4D97-AF65-F5344CB8AC3E}">
